--- a/Урок 43, 44. Композиційний підхід в ООП мовою Python/Композиційний підхід в ООП мовою Python.pptx
+++ b/Урок 43, 44. Композиційний підхід в ООП мовою Python/Композиційний підхід в ООП мовою Python.pptx
@@ -21324,13 +21324,13 @@
         </p:nvSpPr>
         <p:spPr>
           <a:xfrm>
-            <a:off x="1024126" y="2466109"/>
-            <a:ext cx="9720073" cy="3048000"/>
+            <a:off x="705471" y="1937960"/>
+            <a:ext cx="6761571" cy="2307060"/>
           </a:xfrm>
         </p:spPr>
         <p:txBody>
           <a:bodyPr>
-            <a:normAutofit/>
+            <a:normAutofit fontScale="92500" lnSpcReduction="10000"/>
           </a:bodyPr>
           <a:lstStyle/>
           <a:p>
@@ -21435,9 +21435,6 @@
             <a:endParaRPr lang="ru-RU" sz="3200" dirty="0"/>
           </a:p>
           <a:p>
-            <a:endParaRPr lang="ru-RU" sz="3200" dirty="0"/>
-          </a:p>
-          <a:p>
             <a:r>
               <a:rPr lang="ru-RU" sz="3200" b="1" dirty="0" err="1"/>
               <a:t>Композиція</a:t>
@@ -21472,17 +21469,7 @@
             </a:r>
             <a:r>
               <a:rPr lang="ru-RU" sz="3200" dirty="0" err="1"/>
-              <a:t>ін</a:t>
-            </a:r>
-            <a:r>
-              <a:rPr lang="ru-RU" sz="3200" dirty="0"/>
-              <a:t>-</a:t>
-            </a:r>
-          </a:p>
-          <a:p>
-            <a:r>
-              <a:rPr lang="ru-RU" sz="3200" dirty="0" err="1"/>
-              <a:t>ших</a:t>
+              <a:t>інших</a:t>
             </a:r>
             <a:r>
               <a:rPr lang="ru-RU" sz="3200" dirty="0"/>
@@ -21498,7 +21485,7 @@
             </a:r>
             <a:r>
               <a:rPr lang="ru-RU" sz="3200" dirty="0" err="1"/>
-              <a:t>об’єкт</a:t>
+              <a:t>об’єк</a:t>
             </a:r>
             <a:r>
               <a:rPr lang="ru-RU" sz="3200" dirty="0"/>
@@ -21518,10 +21505,8 @@
             </a:r>
             <a:r>
               <a:rPr lang="ru-RU" sz="3200" dirty="0"/>
-              <a:t> для</a:t>
-            </a:r>
-          </a:p>
-          <a:p>
+              <a:t> для </a:t>
+            </a:r>
             <a:r>
               <a:rPr lang="ru-RU" sz="3200" dirty="0" err="1"/>
               <a:t>реалізації</a:t>
@@ -21547,6 +21532,204 @@
               <a:t>-контейнера.</a:t>
             </a:r>
             <a:endParaRPr lang="LID4096" sz="3200" dirty="0"/>
+          </a:p>
+        </p:txBody>
+      </p:sp>
+      <p:sp>
+        <p:nvSpPr>
+          <p:cNvPr id="5" name="TextBox 4">
+            <a:extLst>
+              <a:ext uri="{FF2B5EF4-FFF2-40B4-BE49-F238E27FC236}">
+                <a16:creationId xmlns:a16="http://schemas.microsoft.com/office/drawing/2014/main" id="{71257E04-5490-44E7-B4C7-762583CAA4CD}"/>
+              </a:ext>
+            </a:extLst>
+          </p:cNvPr>
+          <p:cNvSpPr txBox="1"/>
+          <p:nvPr/>
+        </p:nvSpPr>
+        <p:spPr>
+          <a:xfrm>
+            <a:off x="429490" y="4391892"/>
+            <a:ext cx="6871297" cy="2031325"/>
+          </a:xfrm>
+          <a:prstGeom prst="rect">
+            <a:avLst/>
+          </a:prstGeom>
+          <a:noFill/>
+        </p:spPr>
+        <p:txBody>
+          <a:bodyPr wrap="square">
+            <a:spAutoFit/>
+          </a:bodyPr>
+          <a:lstStyle/>
+          <a:p>
+            <a:r>
+              <a:rPr lang="uk-UA" b="0" i="0" dirty="0">
+                <a:solidFill>
+                  <a:srgbClr val="222222"/>
+                </a:solidFill>
+                <a:effectLst/>
+                <a:latin typeface="Roboto" pitchFamily="2" charset="0"/>
+              </a:rPr>
+              <a:t>Щоб зрозуміти, навіщо потрібна композиція в програмуванні, проведемо аналогію з реальним світом. Більшість біологічних і технічних об'єктів складаються з більш простих частин, також є об'єктами. Наприклад, тварина складається з різний органів (серце, шлунок), комп'ютер - з різного "заліза" (процесор, пам'ять).</a:t>
+            </a:r>
+            <a:endParaRPr lang="LID4096" dirty="0"/>
+          </a:p>
+        </p:txBody>
+      </p:sp>
+      <p:pic>
+        <p:nvPicPr>
+          <p:cNvPr id="6" name="Рисунок 5">
+            <a:extLst>
+              <a:ext uri="{FF2B5EF4-FFF2-40B4-BE49-F238E27FC236}">
+                <a16:creationId xmlns:a16="http://schemas.microsoft.com/office/drawing/2014/main" id="{F8C40B56-539A-47DB-A71B-446143CAE9C8}"/>
+              </a:ext>
+            </a:extLst>
+          </p:cNvPr>
+          <p:cNvPicPr>
+            <a:picLocks noChangeAspect="1"/>
+          </p:cNvPicPr>
+          <p:nvPr/>
+        </p:nvPicPr>
+        <p:blipFill>
+          <a:blip r:embed="rId2"/>
+          <a:stretch>
+            <a:fillRect/>
+          </a:stretch>
+        </p:blipFill>
+        <p:spPr>
+          <a:xfrm>
+            <a:off x="7467042" y="2765395"/>
+            <a:ext cx="4482620" cy="3773016"/>
+          </a:xfrm>
+          <a:prstGeom prst="rect">
+            <a:avLst/>
+          </a:prstGeom>
+        </p:spPr>
+      </p:pic>
+      <p:sp>
+        <p:nvSpPr>
+          <p:cNvPr id="9" name="TextBox 8">
+            <a:extLst>
+              <a:ext uri="{FF2B5EF4-FFF2-40B4-BE49-F238E27FC236}">
+                <a16:creationId xmlns:a16="http://schemas.microsoft.com/office/drawing/2014/main" id="{CF88660B-37FE-4453-813E-F20326D3CF43}"/>
+              </a:ext>
+            </a:extLst>
+          </p:cNvPr>
+          <p:cNvSpPr txBox="1"/>
+          <p:nvPr/>
+        </p:nvSpPr>
+        <p:spPr>
+          <a:xfrm>
+            <a:off x="1038257" y="6419615"/>
+            <a:ext cx="6096000" cy="369332"/>
+          </a:xfrm>
+          <a:prstGeom prst="rect">
+            <a:avLst/>
+          </a:prstGeom>
+          <a:noFill/>
+        </p:spPr>
+        <p:txBody>
+          <a:bodyPr wrap="square">
+            <a:spAutoFit/>
+          </a:bodyPr>
+          <a:lstStyle/>
+          <a:p>
+            <a:r>
+              <a:rPr lang="ru-RU" b="0" i="0" dirty="0" err="1">
+                <a:solidFill>
+                  <a:srgbClr val="FF0000"/>
+                </a:solidFill>
+                <a:effectLst/>
+                <a:latin typeface="Roboto" pitchFamily="2" charset="0"/>
+              </a:rPr>
+              <a:t>Композиція</a:t>
+            </a:r>
+            <a:r>
+              <a:rPr lang="ru-RU" b="0" i="0" dirty="0">
+                <a:solidFill>
+                  <a:srgbClr val="FF0000"/>
+                </a:solidFill>
+                <a:effectLst/>
+                <a:latin typeface="Roboto" pitchFamily="2" charset="0"/>
+              </a:rPr>
+              <a:t> </a:t>
+            </a:r>
+            <a:r>
+              <a:rPr lang="ru-RU" b="0" i="0" dirty="0" err="1">
+                <a:solidFill>
+                  <a:srgbClr val="FF0000"/>
+                </a:solidFill>
+                <a:effectLst/>
+                <a:latin typeface="Roboto" pitchFamily="2" charset="0"/>
+              </a:rPr>
+              <a:t>передбачає</a:t>
+            </a:r>
+            <a:r>
+              <a:rPr lang="ru-RU" b="0" i="0" dirty="0">
+                <a:solidFill>
+                  <a:srgbClr val="FF0000"/>
+                </a:solidFill>
+                <a:effectLst/>
+                <a:latin typeface="Roboto" pitchFamily="2" charset="0"/>
+              </a:rPr>
+              <a:t> </a:t>
+            </a:r>
+            <a:r>
+              <a:rPr lang="ru-RU" b="0" i="0" dirty="0" err="1">
+                <a:solidFill>
+                  <a:srgbClr val="FF0000"/>
+                </a:solidFill>
+                <a:effectLst/>
+                <a:latin typeface="Roboto" pitchFamily="2" charset="0"/>
+              </a:rPr>
+              <a:t>формування</a:t>
+            </a:r>
+            <a:r>
+              <a:rPr lang="ru-RU" b="0" i="0" dirty="0">
+                <a:solidFill>
+                  <a:srgbClr val="FF0000"/>
+                </a:solidFill>
+                <a:effectLst/>
+                <a:latin typeface="Roboto" pitchFamily="2" charset="0"/>
+              </a:rPr>
+              <a:t> </a:t>
+            </a:r>
+            <a:r>
+              <a:rPr lang="ru-RU" b="0" i="0" dirty="0" err="1">
+                <a:solidFill>
+                  <a:srgbClr val="FF0000"/>
+                </a:solidFill>
+                <a:effectLst/>
+                <a:latin typeface="Roboto" pitchFamily="2" charset="0"/>
+              </a:rPr>
+              <a:t>цілого</a:t>
+            </a:r>
+            <a:r>
+              <a:rPr lang="ru-RU" b="0" i="0" dirty="0">
+                <a:solidFill>
+                  <a:srgbClr val="FF0000"/>
+                </a:solidFill>
+                <a:effectLst/>
+                <a:latin typeface="Roboto" pitchFamily="2" charset="0"/>
+              </a:rPr>
+              <a:t> з </a:t>
+            </a:r>
+            <a:r>
+              <a:rPr lang="ru-RU" b="0" i="0" dirty="0" err="1">
+                <a:solidFill>
+                  <a:srgbClr val="FF0000"/>
+                </a:solidFill>
+                <a:effectLst/>
+                <a:latin typeface="Roboto" pitchFamily="2" charset="0"/>
+              </a:rPr>
+              <a:t>частин</a:t>
+            </a:r>
+            <a:endParaRPr lang="LID4096" dirty="0">
+              <a:solidFill>
+                <a:srgbClr val="FF0000"/>
+              </a:solidFill>
+            </a:endParaRPr>
           </a:p>
         </p:txBody>
       </p:sp>
@@ -21599,7 +21782,7 @@
         <p:spPr>
           <a:xfrm>
             <a:off x="1024127" y="585216"/>
-            <a:ext cx="9720073" cy="1499616"/>
+            <a:ext cx="9720073" cy="1084408"/>
           </a:xfrm>
         </p:spPr>
         <p:txBody>
@@ -21634,7 +21817,7 @@
         </p:nvSpPr>
         <p:spPr>
           <a:xfrm>
-            <a:off x="816307" y="2084831"/>
+            <a:off x="802454" y="1735572"/>
             <a:ext cx="6180237" cy="4496077"/>
           </a:xfrm>
         </p:spPr>
@@ -22411,7 +22594,7 @@
           <a:graphicData uri="http://schemas.openxmlformats.org/presentationml/2006/ole">
             <mc:AlternateContent xmlns:mc="http://schemas.openxmlformats.org/markup-compatibility/2006">
               <mc:Choice xmlns:v="urn:schemas-microsoft-com:vml" Requires="v">
-                <p:oleObj spid="_x0000_s1029" name="Объект упаковщика для оболочки" showAsIcon="1" r:id="rId5" imgW="707040" imgH="491040" progId="Package">
+                <p:oleObj spid="_x0000_s1030" name="Объект упаковщика для оболочки" showAsIcon="1" r:id="rId5" imgW="707040" imgH="491040" progId="Package">
                   <p:embed/>
                 </p:oleObj>
               </mc:Choice>
@@ -22527,7 +22710,12 @@
             <p:ph idx="1"/>
           </p:nvPr>
         </p:nvSpPr>
-        <p:spPr/>
+        <p:spPr>
+          <a:xfrm>
+            <a:off x="1024128" y="2286000"/>
+            <a:ext cx="9720073" cy="1288473"/>
+          </a:xfrm>
+        </p:spPr>
         <p:txBody>
           <a:bodyPr>
             <a:normAutofit/>
@@ -22536,7 +22724,7 @@
           <a:p>
             <a:r>
               <a:rPr lang="uk-UA" sz="3600" dirty="0"/>
-              <a:t>§7.3</a:t>
+              <a:t>Опрацювати §7.3</a:t>
             </a:r>
             <a:r>
               <a:rPr lang="en-US" sz="3600" dirty="0"/>
